--- a/HSTR121/ppts/RockandElvis.pptx
+++ b/HSTR121/ppts/RockandElvis.pptx
@@ -137,6 +137,10 @@
 </p:presentation>
 </file>
 
+<file path=ppt/revisionInfo.xml><?xml version="1.0" encoding="utf-8"?>
+<p1510:revInfo xmlns:a="http://schemas.openxmlformats.org/drawingml/2006/main" xmlns:r="http://schemas.openxmlformats.org/officeDocument/2006/relationships" xmlns:p1510="http://schemas.microsoft.com/office/powerpoint/2015/10/main"/>
+</file>
+
 <file path=ppt/slideLayouts/slideLayout1.xml><?xml version="1.0" encoding="utf-8"?>
 <p:sldLayout xmlns:a="http://schemas.openxmlformats.org/drawingml/2006/main" xmlns:r="http://schemas.openxmlformats.org/officeDocument/2006/relationships" xmlns:p="http://schemas.openxmlformats.org/presentationml/2006/main" type="title" preserve="1">
   <p:cSld name="Title Slide">
@@ -210,7 +214,7 @@
           </a:lstStyle>
           <a:p>
             <a:r>
-              <a:rPr lang="en-US" smtClean="0"/>
+              <a:rPr lang="en-US"/>
               <a:t>Click to edit Master subtitle style</a:t>
             </a:r>
             <a:endParaRPr lang="en-US" dirty="0"/>
@@ -268,7 +272,7 @@
           </a:lstStyle>
           <a:p>
             <a:r>
-              <a:rPr lang="en-US" smtClean="0"/>
+              <a:rPr lang="en-US"/>
               <a:t>Click to edit Master title style</a:t>
             </a:r>
             <a:endParaRPr lang="en-US" dirty="0"/>
@@ -428,7 +432,7 @@
             <a:fld id="{DCFA480D-CB17-4C49-BB2A-C7514E1C7CEA}" type="datetimeFigureOut">
               <a:rPr lang="en-US" smtClean="0"/>
               <a:pPr/>
-              <a:t>10/12/2016</a:t>
+              <a:t>1/23/2018</a:t>
             </a:fld>
             <a:endParaRPr lang="en-US"/>
           </a:p>
@@ -519,10 +523,9 @@
           <a:lstStyle/>
           <a:p>
             <a:r>
-              <a:rPr lang="en-US" smtClean="0"/>
+              <a:rPr lang="en-US"/>
               <a:t>Click to edit Master title style</a:t>
             </a:r>
-            <a:endParaRPr lang="en-US"/>
           </a:p>
         </p:txBody>
       </p:sp>
@@ -543,38 +546,37 @@
           <a:p>
             <a:pPr lvl="0"/>
             <a:r>
-              <a:rPr lang="en-US" smtClean="0"/>
+              <a:rPr lang="en-US"/>
               <a:t>Click to edit Master text styles</a:t>
             </a:r>
           </a:p>
           <a:p>
             <a:pPr lvl="1"/>
             <a:r>
-              <a:rPr lang="en-US" smtClean="0"/>
+              <a:rPr lang="en-US"/>
               <a:t>Second level</a:t>
             </a:r>
           </a:p>
           <a:p>
             <a:pPr lvl="2"/>
             <a:r>
-              <a:rPr lang="en-US" smtClean="0"/>
+              <a:rPr lang="en-US"/>
               <a:t>Third level</a:t>
             </a:r>
           </a:p>
           <a:p>
             <a:pPr lvl="3"/>
             <a:r>
-              <a:rPr lang="en-US" smtClean="0"/>
+              <a:rPr lang="en-US"/>
               <a:t>Fourth level</a:t>
             </a:r>
           </a:p>
           <a:p>
             <a:pPr lvl="4"/>
             <a:r>
-              <a:rPr lang="en-US" smtClean="0"/>
+              <a:rPr lang="en-US"/>
               <a:t>Fifth level</a:t>
             </a:r>
-            <a:endParaRPr lang="en-US"/>
           </a:p>
         </p:txBody>
       </p:sp>
@@ -596,7 +598,7 @@
             <a:fld id="{DCFA480D-CB17-4C49-BB2A-C7514E1C7CEA}" type="datetimeFigureOut">
               <a:rPr lang="en-US" smtClean="0"/>
               <a:pPr/>
-              <a:t>10/12/2016</a:t>
+              <a:t>1/23/2018</a:t>
             </a:fld>
             <a:endParaRPr lang="en-US"/>
           </a:p>
@@ -691,10 +693,9 @@
           <a:lstStyle/>
           <a:p>
             <a:r>
-              <a:rPr lang="en-US" smtClean="0"/>
+              <a:rPr lang="en-US"/>
               <a:t>Click to edit Master title style</a:t>
             </a:r>
-            <a:endParaRPr lang="en-US"/>
           </a:p>
         </p:txBody>
       </p:sp>
@@ -720,38 +721,37 @@
           <a:p>
             <a:pPr lvl="0"/>
             <a:r>
-              <a:rPr lang="en-US" smtClean="0"/>
+              <a:rPr lang="en-US"/>
               <a:t>Click to edit Master text styles</a:t>
             </a:r>
           </a:p>
           <a:p>
             <a:pPr lvl="1"/>
             <a:r>
-              <a:rPr lang="en-US" smtClean="0"/>
+              <a:rPr lang="en-US"/>
               <a:t>Second level</a:t>
             </a:r>
           </a:p>
           <a:p>
             <a:pPr lvl="2"/>
             <a:r>
-              <a:rPr lang="en-US" smtClean="0"/>
+              <a:rPr lang="en-US"/>
               <a:t>Third level</a:t>
             </a:r>
           </a:p>
           <a:p>
             <a:pPr lvl="3"/>
             <a:r>
-              <a:rPr lang="en-US" smtClean="0"/>
+              <a:rPr lang="en-US"/>
               <a:t>Fourth level</a:t>
             </a:r>
           </a:p>
           <a:p>
             <a:pPr lvl="4"/>
             <a:r>
-              <a:rPr lang="en-US" smtClean="0"/>
+              <a:rPr lang="en-US"/>
               <a:t>Fifth level</a:t>
             </a:r>
-            <a:endParaRPr lang="en-US"/>
           </a:p>
         </p:txBody>
       </p:sp>
@@ -773,7 +773,7 @@
             <a:fld id="{DCFA480D-CB17-4C49-BB2A-C7514E1C7CEA}" type="datetimeFigureOut">
               <a:rPr lang="en-US" smtClean="0"/>
               <a:pPr/>
-              <a:t>10/12/2016</a:t>
+              <a:t>1/23/2018</a:t>
             </a:fld>
             <a:endParaRPr lang="en-US"/>
           </a:p>
@@ -869,35 +869,35 @@
           <a:p>
             <a:pPr lvl="0"/>
             <a:r>
-              <a:rPr lang="en-US" smtClean="0"/>
+              <a:rPr lang="en-US"/>
               <a:t>Click to edit Master text styles</a:t>
             </a:r>
           </a:p>
           <a:p>
             <a:pPr lvl="1"/>
             <a:r>
-              <a:rPr lang="en-US" smtClean="0"/>
+              <a:rPr lang="en-US"/>
               <a:t>Second level</a:t>
             </a:r>
           </a:p>
           <a:p>
             <a:pPr lvl="2"/>
             <a:r>
-              <a:rPr lang="en-US" smtClean="0"/>
+              <a:rPr lang="en-US"/>
               <a:t>Third level</a:t>
             </a:r>
           </a:p>
           <a:p>
             <a:pPr lvl="3"/>
             <a:r>
-              <a:rPr lang="en-US" smtClean="0"/>
+              <a:rPr lang="en-US"/>
               <a:t>Fourth level</a:t>
             </a:r>
           </a:p>
           <a:p>
             <a:pPr lvl="4"/>
             <a:r>
-              <a:rPr lang="en-US" smtClean="0"/>
+              <a:rPr lang="en-US"/>
               <a:t>Fifth level</a:t>
             </a:r>
             <a:endParaRPr lang="en-US" dirty="0"/>
@@ -922,7 +922,7 @@
             <a:fld id="{DCFA480D-CB17-4C49-BB2A-C7514E1C7CEA}" type="datetimeFigureOut">
               <a:rPr lang="en-US" smtClean="0"/>
               <a:pPr/>
-              <a:t>10/12/2016</a:t>
+              <a:t>1/23/2018</a:t>
             </a:fld>
             <a:endParaRPr lang="en-US"/>
           </a:p>
@@ -992,10 +992,9 @@
           <a:lstStyle/>
           <a:p>
             <a:r>
-              <a:rPr lang="en-US" smtClean="0"/>
+              <a:rPr lang="en-US"/>
               <a:t>Click to edit Master title style</a:t>
             </a:r>
-            <a:endParaRPr lang="en-US"/>
           </a:p>
         </p:txBody>
       </p:sp>
@@ -1047,7 +1046,7 @@
             <a:fld id="{DCFA480D-CB17-4C49-BB2A-C7514E1C7CEA}" type="datetimeFigureOut">
               <a:rPr lang="en-US" smtClean="0"/>
               <a:pPr/>
-              <a:t>10/12/2016</a:t>
+              <a:t>1/23/2018</a:t>
             </a:fld>
             <a:endParaRPr lang="en-US" dirty="0"/>
           </a:p>
@@ -1148,7 +1147,7 @@
           </a:lstStyle>
           <a:p>
             <a:r>
-              <a:rPr lang="en-US" smtClean="0"/>
+              <a:rPr lang="en-US"/>
               <a:t>Click to edit Master title style</a:t>
             </a:r>
             <a:endParaRPr lang="en-US" dirty="0"/>
@@ -1226,7 +1225,7 @@
           <a:p>
             <a:pPr lvl="0"/>
             <a:r>
-              <a:rPr lang="en-US" smtClean="0"/>
+              <a:rPr lang="en-US"/>
               <a:t>Click to edit Master text styles</a:t>
             </a:r>
           </a:p>
@@ -1319,7 +1318,7 @@
             <a:fld id="{DCFA480D-CB17-4C49-BB2A-C7514E1C7CEA}" type="datetimeFigureOut">
               <a:rPr lang="en-US" smtClean="0"/>
               <a:pPr/>
-              <a:t>10/12/2016</a:t>
+              <a:t>1/23/2018</a:t>
             </a:fld>
             <a:endParaRPr lang="en-US" dirty="0"/>
           </a:p>
@@ -1384,7 +1383,7 @@
           <a:lstStyle/>
           <a:p>
             <a:r>
-              <a:rPr lang="en-US" smtClean="0"/>
+              <a:rPr lang="en-US"/>
               <a:t>Click to edit Master title style</a:t>
             </a:r>
             <a:endParaRPr lang="en-US" dirty="0"/>
@@ -1413,35 +1412,35 @@
           <a:p>
             <a:pPr lvl="0"/>
             <a:r>
-              <a:rPr lang="en-US" smtClean="0"/>
+              <a:rPr lang="en-US"/>
               <a:t>Click to edit Master text styles</a:t>
             </a:r>
           </a:p>
           <a:p>
             <a:pPr lvl="1"/>
             <a:r>
-              <a:rPr lang="en-US" smtClean="0"/>
+              <a:rPr lang="en-US"/>
               <a:t>Second level</a:t>
             </a:r>
           </a:p>
           <a:p>
             <a:pPr lvl="2"/>
             <a:r>
-              <a:rPr lang="en-US" smtClean="0"/>
+              <a:rPr lang="en-US"/>
               <a:t>Third level</a:t>
             </a:r>
           </a:p>
           <a:p>
             <a:pPr lvl="3"/>
             <a:r>
-              <a:rPr lang="en-US" smtClean="0"/>
+              <a:rPr lang="en-US"/>
               <a:t>Fourth level</a:t>
             </a:r>
           </a:p>
           <a:p>
             <a:pPr lvl="4"/>
             <a:r>
-              <a:rPr lang="en-US" smtClean="0"/>
+              <a:rPr lang="en-US"/>
               <a:t>Fifth level</a:t>
             </a:r>
             <a:endParaRPr lang="en-US" dirty="0"/>
@@ -1470,35 +1469,35 @@
           <a:p>
             <a:pPr lvl="0"/>
             <a:r>
-              <a:rPr lang="en-US" smtClean="0"/>
+              <a:rPr lang="en-US"/>
               <a:t>Click to edit Master text styles</a:t>
             </a:r>
           </a:p>
           <a:p>
             <a:pPr lvl="1"/>
             <a:r>
-              <a:rPr lang="en-US" smtClean="0"/>
+              <a:rPr lang="en-US"/>
               <a:t>Second level</a:t>
             </a:r>
           </a:p>
           <a:p>
             <a:pPr lvl="2"/>
             <a:r>
-              <a:rPr lang="en-US" smtClean="0"/>
+              <a:rPr lang="en-US"/>
               <a:t>Third level</a:t>
             </a:r>
           </a:p>
           <a:p>
             <a:pPr lvl="3"/>
             <a:r>
-              <a:rPr lang="en-US" smtClean="0"/>
+              <a:rPr lang="en-US"/>
               <a:t>Fourth level</a:t>
             </a:r>
           </a:p>
           <a:p>
             <a:pPr lvl="4"/>
             <a:r>
-              <a:rPr lang="en-US" smtClean="0"/>
+              <a:rPr lang="en-US"/>
               <a:t>Fifth level</a:t>
             </a:r>
             <a:endParaRPr lang="en-US" dirty="0"/>
@@ -1591,7 +1590,7 @@
             <a:fld id="{DCFA480D-CB17-4C49-BB2A-C7514E1C7CEA}" type="datetimeFigureOut">
               <a:rPr lang="en-US" smtClean="0"/>
               <a:pPr/>
-              <a:t>10/12/2016</a:t>
+              <a:t>1/23/2018</a:t>
             </a:fld>
             <a:endParaRPr lang="en-US" dirty="0"/>
           </a:p>
@@ -1672,7 +1671,7 @@
           <a:p>
             <a:pPr lvl="0"/>
             <a:r>
-              <a:rPr lang="en-US" smtClean="0"/>
+              <a:rPr lang="en-US"/>
               <a:t>Click to edit Master text styles</a:t>
             </a:r>
           </a:p>
@@ -1700,35 +1699,35 @@
           <a:p>
             <a:pPr lvl="0"/>
             <a:r>
-              <a:rPr lang="en-US" smtClean="0"/>
+              <a:rPr lang="en-US"/>
               <a:t>Click to edit Master text styles</a:t>
             </a:r>
           </a:p>
           <a:p>
             <a:pPr lvl="1"/>
             <a:r>
-              <a:rPr lang="en-US" smtClean="0"/>
+              <a:rPr lang="en-US"/>
               <a:t>Second level</a:t>
             </a:r>
           </a:p>
           <a:p>
             <a:pPr lvl="2"/>
             <a:r>
-              <a:rPr lang="en-US" smtClean="0"/>
+              <a:rPr lang="en-US"/>
               <a:t>Third level</a:t>
             </a:r>
           </a:p>
           <a:p>
             <a:pPr lvl="3"/>
             <a:r>
-              <a:rPr lang="en-US" smtClean="0"/>
+              <a:rPr lang="en-US"/>
               <a:t>Fourth level</a:t>
             </a:r>
           </a:p>
           <a:p>
             <a:pPr lvl="4"/>
             <a:r>
-              <a:rPr lang="en-US" smtClean="0"/>
+              <a:rPr lang="en-US"/>
               <a:t>Fifth level</a:t>
             </a:r>
             <a:endParaRPr lang="en-US" dirty="0"/>
@@ -1757,35 +1756,35 @@
           <a:p>
             <a:pPr lvl="0"/>
             <a:r>
-              <a:rPr lang="en-US" smtClean="0"/>
+              <a:rPr lang="en-US"/>
               <a:t>Click to edit Master text styles</a:t>
             </a:r>
           </a:p>
           <a:p>
             <a:pPr lvl="1"/>
             <a:r>
-              <a:rPr lang="en-US" smtClean="0"/>
+              <a:rPr lang="en-US"/>
               <a:t>Second level</a:t>
             </a:r>
           </a:p>
           <a:p>
             <a:pPr lvl="2"/>
             <a:r>
-              <a:rPr lang="en-US" smtClean="0"/>
+              <a:rPr lang="en-US"/>
               <a:t>Third level</a:t>
             </a:r>
           </a:p>
           <a:p>
             <a:pPr lvl="3"/>
             <a:r>
-              <a:rPr lang="en-US" smtClean="0"/>
+              <a:rPr lang="en-US"/>
               <a:t>Fourth level</a:t>
             </a:r>
           </a:p>
           <a:p>
             <a:pPr lvl="4"/>
             <a:r>
-              <a:rPr lang="en-US" smtClean="0"/>
+              <a:rPr lang="en-US"/>
               <a:t>Fifth level</a:t>
             </a:r>
             <a:endParaRPr lang="en-US" dirty="0"/>
@@ -1817,7 +1816,7 @@
           </a:lstStyle>
           <a:p>
             <a:r>
-              <a:rPr lang="en-US" smtClean="0"/>
+              <a:rPr lang="en-US"/>
               <a:t>Click to edit Master title style</a:t>
             </a:r>
             <a:endParaRPr lang="en-US" dirty="0"/>
@@ -1898,7 +1897,7 @@
           <a:p>
             <a:pPr lvl="0"/>
             <a:r>
-              <a:rPr lang="en-US" smtClean="0"/>
+              <a:rPr lang="en-US"/>
               <a:t>Click to edit Master text styles</a:t>
             </a:r>
           </a:p>
@@ -2039,7 +2038,7 @@
             <a:fld id="{DCFA480D-CB17-4C49-BB2A-C7514E1C7CEA}" type="datetimeFigureOut">
               <a:rPr lang="en-US" smtClean="0"/>
               <a:pPr/>
-              <a:t>10/12/2016</a:t>
+              <a:t>1/23/2018</a:t>
             </a:fld>
             <a:endParaRPr lang="en-US" dirty="0"/>
           </a:p>
@@ -2104,7 +2103,7 @@
           <a:lstStyle/>
           <a:p>
             <a:r>
-              <a:rPr lang="en-US" smtClean="0"/>
+              <a:rPr lang="en-US"/>
               <a:t>Click to edit Master title style</a:t>
             </a:r>
             <a:endParaRPr lang="en-US" dirty="0"/>
@@ -2154,7 +2153,7 @@
             <a:fld id="{DCFA480D-CB17-4C49-BB2A-C7514E1C7CEA}" type="datetimeFigureOut">
               <a:rPr lang="en-US" smtClean="0"/>
               <a:pPr/>
-              <a:t>10/12/2016</a:t>
+              <a:t>1/23/2018</a:t>
             </a:fld>
             <a:endParaRPr lang="en-US" dirty="0"/>
           </a:p>
@@ -2250,35 +2249,35 @@
           <a:p>
             <a:pPr lvl="0"/>
             <a:r>
-              <a:rPr lang="en-US" smtClean="0"/>
+              <a:rPr lang="en-US"/>
               <a:t>Click to edit Master text styles</a:t>
             </a:r>
           </a:p>
           <a:p>
             <a:pPr lvl="1"/>
             <a:r>
-              <a:rPr lang="en-US" smtClean="0"/>
+              <a:rPr lang="en-US"/>
               <a:t>Second level</a:t>
             </a:r>
           </a:p>
           <a:p>
             <a:pPr lvl="2"/>
             <a:r>
-              <a:rPr lang="en-US" smtClean="0"/>
+              <a:rPr lang="en-US"/>
               <a:t>Third level</a:t>
             </a:r>
           </a:p>
           <a:p>
             <a:pPr lvl="3"/>
             <a:r>
-              <a:rPr lang="en-US" smtClean="0"/>
+              <a:rPr lang="en-US"/>
               <a:t>Fourth level</a:t>
             </a:r>
           </a:p>
           <a:p>
             <a:pPr lvl="4"/>
             <a:r>
-              <a:rPr lang="en-US" smtClean="0"/>
+              <a:rPr lang="en-US"/>
               <a:t>Fifth level</a:t>
             </a:r>
             <a:endParaRPr lang="en-US" dirty="0"/>
@@ -2338,7 +2337,7 @@
           <a:p>
             <a:pPr lvl="0"/>
             <a:r>
-              <a:rPr lang="en-US" smtClean="0"/>
+              <a:rPr lang="en-US"/>
               <a:t>Click to edit Master text styles</a:t>
             </a:r>
           </a:p>
@@ -2381,7 +2380,7 @@
           </a:lstStyle>
           <a:p>
             <a:r>
-              <a:rPr lang="en-US" smtClean="0"/>
+              <a:rPr lang="en-US"/>
               <a:t>Click to edit Master title style</a:t>
             </a:r>
             <a:endParaRPr lang="en-US" dirty="0"/>
@@ -2406,7 +2405,7 @@
             <a:fld id="{DCFA480D-CB17-4C49-BB2A-C7514E1C7CEA}" type="datetimeFigureOut">
               <a:rPr lang="en-US" smtClean="0"/>
               <a:pPr/>
-              <a:t>10/12/2016</a:t>
+              <a:t>1/23/2018</a:t>
             </a:fld>
             <a:endParaRPr lang="en-US"/>
           </a:p>
@@ -2518,7 +2517,7 @@
           </a:lstStyle>
           <a:p>
             <a:r>
-              <a:rPr lang="en-US" smtClean="0"/>
+              <a:rPr lang="en-US"/>
               <a:t>Click to edit Master title style</a:t>
             </a:r>
             <a:endParaRPr lang="en-US" dirty="0"/>
@@ -2568,7 +2567,7 @@
           </a:lstStyle>
           <a:p>
             <a:r>
-              <a:rPr lang="en-US" smtClean="0"/>
+              <a:rPr lang="en-US"/>
               <a:t>Click icon to add picture</a:t>
             </a:r>
             <a:endParaRPr lang="en-US" dirty="0"/>
@@ -2625,7 +2624,7 @@
           <a:p>
             <a:pPr lvl="0"/>
             <a:r>
-              <a:rPr lang="en-US" smtClean="0"/>
+              <a:rPr lang="en-US"/>
               <a:t>Click to edit Master text styles</a:t>
             </a:r>
           </a:p>
@@ -2649,7 +2648,7 @@
             <a:fld id="{DCFA480D-CB17-4C49-BB2A-C7514E1C7CEA}" type="datetimeFigureOut">
               <a:rPr lang="en-US" smtClean="0"/>
               <a:pPr/>
-              <a:t>10/12/2016</a:t>
+              <a:t>1/23/2018</a:t>
             </a:fld>
             <a:endParaRPr lang="en-US"/>
           </a:p>
@@ -2756,35 +2755,35 @@
           <a:p>
             <a:pPr lvl="0"/>
             <a:r>
-              <a:rPr lang="en-US" smtClean="0"/>
+              <a:rPr lang="en-US"/>
               <a:t>Click to edit Master text styles</a:t>
             </a:r>
           </a:p>
           <a:p>
             <a:pPr lvl="1"/>
             <a:r>
-              <a:rPr lang="en-US" smtClean="0"/>
+              <a:rPr lang="en-US"/>
               <a:t>Second level</a:t>
             </a:r>
           </a:p>
           <a:p>
             <a:pPr lvl="2"/>
             <a:r>
-              <a:rPr lang="en-US" smtClean="0"/>
+              <a:rPr lang="en-US"/>
               <a:t>Third level</a:t>
             </a:r>
           </a:p>
           <a:p>
             <a:pPr lvl="3"/>
             <a:r>
-              <a:rPr lang="en-US" smtClean="0"/>
+              <a:rPr lang="en-US"/>
               <a:t>Fourth level</a:t>
             </a:r>
           </a:p>
           <a:p>
             <a:pPr lvl="4"/>
             <a:r>
-              <a:rPr lang="en-US" smtClean="0"/>
+              <a:rPr lang="en-US"/>
               <a:t>Fifth level</a:t>
             </a:r>
             <a:endParaRPr lang="en-US" dirty="0"/>
@@ -2825,7 +2824,7 @@
             <a:fld id="{DCFA480D-CB17-4C49-BB2A-C7514E1C7CEA}" type="datetimeFigureOut">
               <a:rPr lang="en-US" smtClean="0"/>
               <a:pPr/>
-              <a:t>10/12/2016</a:t>
+              <a:t>1/23/2018</a:t>
             </a:fld>
             <a:endParaRPr lang="en-US" sz="1200" dirty="0">
               <a:solidFill>
@@ -2952,7 +2951,7 @@
           <a:lstStyle/>
           <a:p>
             <a:r>
-              <a:rPr lang="en-US" smtClean="0"/>
+              <a:rPr lang="en-US"/>
               <a:t>Click to edit Master title style</a:t>
             </a:r>
             <a:endParaRPr lang="en-US" dirty="0"/>
@@ -3327,10 +3326,9 @@
           <a:lstStyle/>
           <a:p>
             <a:r>
-              <a:rPr lang="en-US" sz="4800" dirty="0" smtClean="0"/>
+              <a:rPr lang="en-US" sz="4800" dirty="0"/>
               <a:t>1954-1958</a:t>
             </a:r>
-            <a:endParaRPr lang="en-US" sz="4800" dirty="0"/>
           </a:p>
         </p:txBody>
       </p:sp>
@@ -3350,10 +3348,9 @@
           <a:lstStyle/>
           <a:p>
             <a:r>
-              <a:rPr lang="en-US" dirty="0" smtClean="0"/>
+              <a:rPr lang="en-US" dirty="0"/>
               <a:t>Elvis, Sun Records, and Rockabilly</a:t>
             </a:r>
-            <a:endParaRPr lang="en-US" dirty="0"/>
           </a:p>
         </p:txBody>
       </p:sp>
@@ -3367,13 +3364,6 @@
   <p:clrMapOvr>
     <a:masterClrMapping/>
   </p:clrMapOvr>
-  <p:timing>
-    <p:tnLst>
-      <p:par>
-        <p:cTn id="1" dur="indefinite" restart="never" nodeType="tmRoot"/>
-      </p:par>
-    </p:tnLst>
-  </p:timing>
 </p:sld>
 </file>
 
@@ -3415,34 +3405,34 @@
           <a:lstStyle/>
           <a:p>
             <a:r>
-              <a:rPr lang="en-US" dirty="0" smtClean="0"/>
+              <a:rPr lang="en-US" dirty="0"/>
               <a:t>Bill Haley and the Comets, 1954</a:t>
             </a:r>
           </a:p>
           <a:p>
             <a:r>
-              <a:rPr lang="en-US" dirty="0" smtClean="0"/>
+              <a:rPr lang="en-US" dirty="0"/>
               <a:t>Written by Max Freedman and James Meyer in 1952.</a:t>
             </a:r>
           </a:p>
           <a:p>
             <a:r>
-              <a:rPr lang="en-US" dirty="0" smtClean="0"/>
+              <a:rPr lang="en-US" dirty="0"/>
               <a:t>Blackboard Jungle, 1955, led to its popularity.</a:t>
             </a:r>
           </a:p>
           <a:p>
             <a:r>
-              <a:rPr lang="en-US" dirty="0" smtClean="0"/>
+              <a:rPr lang="en-US" dirty="0"/>
               <a:t>Caused Teddy Boy riots in London.</a:t>
             </a:r>
           </a:p>
           <a:p>
-            <a:endParaRPr lang="en-US" dirty="0" smtClean="0"/>
-          </a:p>
-          <a:p>
             <a:endParaRPr lang="en-US" dirty="0"/>
           </a:p>
+          <a:p>
+            <a:endParaRPr lang="en-US" dirty="0"/>
+          </a:p>
         </p:txBody>
       </p:sp>
       <p:sp>
@@ -3461,10 +3451,9 @@
           <a:lstStyle/>
           <a:p>
             <a:r>
-              <a:rPr lang="en-US" dirty="0" smtClean="0"/>
+              <a:rPr lang="en-US" dirty="0"/>
               <a:t>Rock around the Clock</a:t>
             </a:r>
-            <a:endParaRPr lang="en-US" dirty="0"/>
           </a:p>
         </p:txBody>
       </p:sp>
@@ -3514,13 +3503,6 @@
   <p:clrMapOvr>
     <a:masterClrMapping/>
   </p:clrMapOvr>
-  <p:timing>
-    <p:tnLst>
-      <p:par>
-        <p:cTn id="1" dur="indefinite" restart="never" nodeType="tmRoot"/>
-      </p:par>
-    </p:tnLst>
-  </p:timing>
 </p:sld>
 </file>
 
@@ -3586,10 +3568,9 @@
           <a:lstStyle/>
           <a:p>
             <a:r>
-              <a:rPr lang="en-US" dirty="0" smtClean="0"/>
+              <a:rPr lang="en-US" dirty="0"/>
               <a:t>Teddy Boys, Chelmsford, UK, 1950s</a:t>
             </a:r>
-            <a:endParaRPr lang="en-US" dirty="0"/>
           </a:p>
         </p:txBody>
       </p:sp>
@@ -3603,13 +3584,6 @@
   <p:clrMapOvr>
     <a:masterClrMapping/>
   </p:clrMapOvr>
-  <p:timing>
-    <p:tnLst>
-      <p:par>
-        <p:cTn id="1" dur="indefinite" restart="never" nodeType="tmRoot"/>
-      </p:par>
-    </p:tnLst>
-  </p:timing>
 </p:sld>
 </file>
 
@@ -3651,48 +3625,39 @@
           <a:lstStyle/>
           <a:p>
             <a:r>
-              <a:rPr lang="en-US" dirty="0" smtClean="0"/>
-              <a:t>Charles </a:t>
-            </a:r>
-            <a:r>
               <a:rPr lang="en-US" dirty="0"/>
-              <a:t>Hardin </a:t>
-            </a:r>
-            <a:r>
-              <a:rPr lang="en-US" dirty="0" smtClean="0"/>
-              <a:t>Holley</a:t>
-            </a:r>
-          </a:p>
-          <a:p>
-            <a:r>
-              <a:rPr lang="en-US" dirty="0" smtClean="0"/>
+              <a:t>Charles Hardin Holley</a:t>
+            </a:r>
+          </a:p>
+          <a:p>
+            <a:r>
+              <a:rPr lang="en-US" dirty="0"/>
               <a:t>Lubbock, Texas</a:t>
             </a:r>
           </a:p>
           <a:p>
             <a:r>
-              <a:rPr lang="en-US" dirty="0" smtClean="0"/>
+              <a:rPr lang="en-US" dirty="0"/>
               <a:t>First group: Buddy and Bob</a:t>
             </a:r>
           </a:p>
           <a:p>
             <a:r>
-              <a:rPr lang="en-US" dirty="0" smtClean="0"/>
+              <a:rPr lang="en-US" dirty="0"/>
               <a:t>June 1955: opened for Elvis Presley.</a:t>
             </a:r>
           </a:p>
           <a:p>
             <a:r>
-              <a:rPr lang="en-US" dirty="0" smtClean="0"/>
+              <a:rPr lang="en-US" dirty="0"/>
               <a:t>Moved from country to rock.</a:t>
             </a:r>
           </a:p>
           <a:p>
             <a:r>
-              <a:rPr lang="en-US" dirty="0" smtClean="0"/>
+              <a:rPr lang="en-US" dirty="0"/>
               <a:t>Ordinary guy, glasses, goofy.</a:t>
             </a:r>
-            <a:endParaRPr lang="en-US" dirty="0"/>
           </a:p>
         </p:txBody>
       </p:sp>
@@ -3719,32 +3684,14 @@
           <a:lstStyle/>
           <a:p>
             <a:r>
-              <a:rPr lang="en-US" sz="6000" dirty="0" smtClean="0"/>
+              <a:rPr lang="en-US" sz="6000" dirty="0"/>
               <a:t>Buddy Holly</a:t>
-            </a:r>
-            <a:r>
-              <a:rPr lang="en-US" dirty="0" smtClean="0">
-                <a:effectLst/>
-              </a:rPr>
-              <a:t>, 7 Sep. </a:t>
             </a:r>
             <a:r>
               <a:rPr lang="en-US" dirty="0">
                 <a:effectLst/>
               </a:rPr>
-              <a:t>1936 </a:t>
-            </a:r>
-            <a:r>
-              <a:rPr lang="en-US" dirty="0" smtClean="0">
-                <a:effectLst/>
-              </a:rPr>
-              <a:t>–3 Feb. </a:t>
-            </a:r>
-            <a:r>
-              <a:rPr lang="en-US" dirty="0">
-                <a:effectLst/>
-              </a:rPr>
-              <a:t>1959</a:t>
+              <a:t>, 7 Sep. 1936 –3 Feb. 1959</a:t>
             </a:r>
             <a:endParaRPr lang="en-US" dirty="0"/>
           </a:p>
@@ -3790,13 +3737,6 @@
   <p:clrMapOvr>
     <a:masterClrMapping/>
   </p:clrMapOvr>
-  <p:timing>
-    <p:tnLst>
-      <p:par>
-        <p:cTn id="1" dur="indefinite" restart="never" nodeType="tmRoot"/>
-      </p:par>
-    </p:tnLst>
-  </p:timing>
 </p:sld>
 </file>
 
@@ -3882,10 +3822,9 @@
           <a:lstStyle/>
           <a:p>
             <a:r>
-              <a:rPr lang="en-US" dirty="0" smtClean="0"/>
+              <a:rPr lang="en-US" dirty="0"/>
               <a:t>Buddy meets Elvis, 3 June 1955</a:t>
             </a:r>
-            <a:endParaRPr lang="en-US" dirty="0"/>
           </a:p>
         </p:txBody>
       </p:sp>
@@ -3899,13 +3838,6 @@
   <p:clrMapOvr>
     <a:masterClrMapping/>
   </p:clrMapOvr>
-  <p:timing>
-    <p:tnLst>
-      <p:par>
-        <p:cTn id="1" dur="indefinite" restart="never" nodeType="tmRoot"/>
-      </p:par>
-    </p:tnLst>
-  </p:timing>
 </p:sld>
 </file>
 
@@ -3942,45 +3874,45 @@
           <a:lstStyle/>
           <a:p>
             <a:r>
-              <a:rPr lang="en-US" dirty="0" smtClean="0"/>
+              <a:rPr lang="en-US" dirty="0"/>
               <a:t>First signed with Decca Records in Nashville, TN</a:t>
             </a:r>
           </a:p>
           <a:p>
             <a:r>
-              <a:rPr lang="en-US" dirty="0" smtClean="0"/>
+              <a:rPr lang="en-US" dirty="0"/>
               <a:t>Producer Owen Bradley, disagreed about control.</a:t>
             </a:r>
           </a:p>
           <a:p>
             <a:r>
-              <a:rPr lang="en-US" dirty="0" smtClean="0"/>
+              <a:rPr lang="en-US" dirty="0"/>
               <a:t>Norman Petty, Clovis, NM (Brunswick Records), “The Crickets”</a:t>
             </a:r>
           </a:p>
           <a:p>
             <a:r>
-              <a:rPr lang="en-US" dirty="0" smtClean="0"/>
+              <a:rPr lang="en-US" dirty="0"/>
               <a:t>1957: “That’ll be the day” (John Wayne, </a:t>
             </a:r>
             <a:r>
-              <a:rPr lang="en-US" i="1" dirty="0" smtClean="0"/>
+              <a:rPr lang="en-US" i="1" dirty="0"/>
               <a:t>The Searchers</a:t>
             </a:r>
             <a:r>
-              <a:rPr lang="en-US" dirty="0" smtClean="0"/>
+              <a:rPr lang="en-US" dirty="0"/>
               <a:t>)</a:t>
             </a:r>
           </a:p>
           <a:p>
             <a:r>
-              <a:rPr lang="en-US" dirty="0" smtClean="0"/>
+              <a:rPr lang="en-US" dirty="0"/>
               <a:t>July 1957: “Peggy Sue”</a:t>
             </a:r>
           </a:p>
           <a:p>
             <a:r>
-              <a:rPr lang="en-US" dirty="0" smtClean="0"/>
+              <a:rPr lang="en-US" dirty="0"/>
               <a:t>Pioneered the rock band line up: two guitars, drums, bass.</a:t>
             </a:r>
           </a:p>
@@ -4005,10 +3937,9 @@
           <a:lstStyle/>
           <a:p>
             <a:r>
-              <a:rPr lang="en-US" dirty="0" smtClean="0"/>
+              <a:rPr lang="en-US" dirty="0"/>
               <a:t>Buddy Holly and the Crickets</a:t>
             </a:r>
-            <a:endParaRPr lang="en-US" dirty="0"/>
           </a:p>
         </p:txBody>
       </p:sp>
@@ -4022,13 +3953,6 @@
   <p:clrMapOvr>
     <a:masterClrMapping/>
   </p:clrMapOvr>
-  <p:timing>
-    <p:tnLst>
-      <p:par>
-        <p:cTn id="1" dur="indefinite" restart="never" nodeType="tmRoot"/>
-      </p:par>
-    </p:tnLst>
-  </p:timing>
 </p:sld>
 </file>
 
@@ -4065,63 +3989,55 @@
           <a:lstStyle/>
           <a:p>
             <a:r>
-              <a:rPr lang="en-US" b="1" dirty="0" smtClean="0"/>
+              <a:rPr lang="en-US" b="1" dirty="0"/>
               <a:t>Winter Dance Party tour</a:t>
             </a:r>
           </a:p>
           <a:p>
             <a:r>
-              <a:rPr lang="en-US" b="1" dirty="0" smtClean="0"/>
+              <a:rPr lang="en-US" b="1" dirty="0"/>
               <a:t>Travelling conditions were terrible</a:t>
             </a:r>
           </a:p>
           <a:p>
             <a:r>
-              <a:rPr lang="en-US" b="1" dirty="0" smtClean="0"/>
+              <a:rPr lang="en-US" b="1" dirty="0"/>
               <a:t>Holly hired a plane to fly from Clear Lake Iowa, to Moorhead, Minn.</a:t>
             </a:r>
           </a:p>
           <a:p>
             <a:r>
-              <a:rPr lang="en-US" b="1" dirty="0" smtClean="0"/>
+              <a:rPr lang="en-US" b="1" dirty="0"/>
               <a:t>Invited </a:t>
             </a:r>
           </a:p>
           <a:p>
             <a:r>
-              <a:rPr lang="en-US" b="1" dirty="0" err="1" smtClean="0"/>
+              <a:rPr lang="en-US" b="1" dirty="0" err="1"/>
               <a:t>Jiles</a:t>
             </a:r>
             <a:r>
-              <a:rPr lang="en-US" b="1" dirty="0" smtClean="0"/>
-              <a:t> </a:t>
-            </a:r>
-            <a:r>
               <a:rPr lang="en-US" b="1" dirty="0"/>
-              <a:t>Perry "J. P." Richardson, Jr.</a:t>
-            </a:r>
-            <a:r>
-              <a:rPr lang="en-US" b="1" dirty="0" smtClean="0"/>
-              <a:t> (“the Big Bopper”)</a:t>
-            </a:r>
-          </a:p>
-          <a:p>
-            <a:r>
-              <a:rPr lang="en-US" b="1" dirty="0" smtClean="0"/>
+              <a:t> Perry "J. P." Richardson, Jr. (“the Big Bopper”)</a:t>
+            </a:r>
+          </a:p>
+          <a:p>
+            <a:r>
+              <a:rPr lang="en-US" b="1" dirty="0"/>
               <a:t>Ritchie Valens (“La </a:t>
             </a:r>
             <a:r>
-              <a:rPr lang="en-US" b="1" dirty="0" err="1" smtClean="0"/>
+              <a:rPr lang="en-US" b="1" dirty="0" err="1"/>
               <a:t>Bamba</a:t>
             </a:r>
             <a:r>
-              <a:rPr lang="en-US" b="1" dirty="0" smtClean="0"/>
+              <a:rPr lang="en-US" b="1" dirty="0"/>
               <a:t>”)</a:t>
             </a:r>
           </a:p>
           <a:p>
             <a:r>
-              <a:rPr lang="en-US" b="1" dirty="0" smtClean="0"/>
+              <a:rPr lang="en-US" b="1" dirty="0"/>
               <a:t>Crashed minutes after take off.</a:t>
             </a:r>
           </a:p>
@@ -4148,10 +4064,9 @@
           <a:lstStyle/>
           <a:p>
             <a:r>
-              <a:rPr lang="en-US" b="1" dirty="0" smtClean="0"/>
+              <a:rPr lang="en-US" b="1" dirty="0"/>
               <a:t>The day the music died, 3 February 1959 (Don Maclean)</a:t>
             </a:r>
-            <a:endParaRPr lang="en-US" b="1" dirty="0"/>
           </a:p>
         </p:txBody>
       </p:sp>
@@ -4165,13 +4080,6 @@
   <p:clrMapOvr>
     <a:masterClrMapping/>
   </p:clrMapOvr>
-  <p:timing>
-    <p:tnLst>
-      <p:par>
-        <p:cTn id="1" dur="indefinite" restart="never" nodeType="tmRoot"/>
-      </p:par>
-    </p:tnLst>
-  </p:timing>
 </p:sld>
 </file>
 
@@ -4208,42 +4116,41 @@
           <a:lstStyle/>
           <a:p>
             <a:r>
-              <a:rPr lang="en-US" dirty="0" smtClean="0"/>
+              <a:rPr lang="en-US" dirty="0"/>
               <a:t>Memphis Recording Service</a:t>
             </a:r>
           </a:p>
           <a:p>
             <a:r>
-              <a:rPr lang="en-US" dirty="0" smtClean="0"/>
+              <a:rPr lang="en-US" dirty="0"/>
               <a:t>Sun Records, 1952-</a:t>
             </a:r>
           </a:p>
           <a:p>
             <a:r>
-              <a:rPr lang="en-US" dirty="0" smtClean="0"/>
+              <a:rPr lang="en-US" dirty="0"/>
               <a:t>Sam Phillips, 1923-2003</a:t>
             </a:r>
           </a:p>
           <a:p>
             <a:r>
-              <a:rPr lang="en-US" dirty="0" smtClean="0"/>
+              <a:rPr lang="en-US" dirty="0"/>
               <a:t>Marion </a:t>
             </a:r>
             <a:r>
-              <a:rPr lang="en-US" dirty="0" err="1" smtClean="0"/>
+              <a:rPr lang="en-US" dirty="0" err="1"/>
               <a:t>Keisker</a:t>
             </a:r>
             <a:r>
-              <a:rPr lang="en-US" dirty="0" smtClean="0"/>
+              <a:rPr lang="en-US" dirty="0"/>
               <a:t> (radio personality, “Meet Kitty Kelly”, 1946)</a:t>
             </a:r>
           </a:p>
           <a:p>
             <a:r>
-              <a:rPr lang="en-US" dirty="0" smtClean="0"/>
+              <a:rPr lang="en-US" dirty="0"/>
               <a:t>Elvis Aaron Presley, 1935-1977</a:t>
             </a:r>
-            <a:endParaRPr lang="en-US" dirty="0"/>
           </a:p>
         </p:txBody>
       </p:sp>
@@ -4268,10 +4175,9 @@
           <a:lstStyle/>
           <a:p>
             <a:r>
-              <a:rPr lang="en-US" dirty="0" smtClean="0"/>
+              <a:rPr lang="en-US" dirty="0"/>
               <a:t>Elvis Presley</a:t>
             </a:r>
-            <a:endParaRPr lang="en-US" dirty="0"/>
           </a:p>
         </p:txBody>
       </p:sp>
@@ -4350,13 +4256,6 @@
   <p:clrMapOvr>
     <a:masterClrMapping/>
   </p:clrMapOvr>
-  <p:timing>
-    <p:tnLst>
-      <p:par>
-        <p:cTn id="1" dur="indefinite" restart="never" nodeType="tmRoot"/>
-      </p:par>
-    </p:tnLst>
-  </p:timing>
 </p:sld>
 </file>
 
@@ -4422,10 +4321,9 @@
           <a:lstStyle/>
           <a:p>
             <a:r>
-              <a:rPr lang="en-US" dirty="0" smtClean="0"/>
+              <a:rPr lang="en-US" dirty="0"/>
               <a:t>“That’s All Right, Mama!” July 1954</a:t>
             </a:r>
-            <a:endParaRPr lang="en-US" dirty="0"/>
           </a:p>
         </p:txBody>
       </p:sp>
@@ -4456,16 +4354,16 @@
               <a:buChar char="•"/>
             </a:pPr>
             <a:r>
-              <a:rPr lang="en-US" sz="2800" b="1" dirty="0" smtClean="0"/>
+              <a:rPr lang="en-US" sz="2800" b="1" dirty="0"/>
               <a:t>Crudup, 1946: </a:t>
             </a:r>
             <a:r>
-              <a:rPr lang="en-US" sz="2800" b="1" dirty="0" smtClean="0">
+              <a:rPr lang="en-US" sz="2800" b="1" dirty="0">
                 <a:hlinkClick r:id="rId3"/>
               </a:rPr>
               <a:t>link</a:t>
             </a:r>
-            <a:endParaRPr lang="en-US" sz="2800" b="1" dirty="0" smtClean="0"/>
+            <a:endParaRPr lang="en-US" sz="2800" b="1" dirty="0"/>
           </a:p>
           <a:p>
             <a:pPr marL="457200" indent="-457200">
@@ -4473,16 +4371,16 @@
               <a:buChar char="•"/>
             </a:pPr>
             <a:r>
-              <a:rPr lang="en-US" sz="2800" b="1" dirty="0" smtClean="0"/>
+              <a:rPr lang="en-US" sz="2800" b="1" dirty="0"/>
               <a:t>Elvis, 1954: </a:t>
             </a:r>
             <a:r>
-              <a:rPr lang="en-US" sz="2800" b="1" dirty="0" smtClean="0">
+              <a:rPr lang="en-US" sz="2800" b="1" dirty="0">
                 <a:hlinkClick r:id="rId4"/>
               </a:rPr>
               <a:t>link</a:t>
             </a:r>
-            <a:endParaRPr lang="en-US" sz="2800" b="1" dirty="0" smtClean="0"/>
+            <a:endParaRPr lang="en-US" sz="2800" b="1" dirty="0"/>
           </a:p>
           <a:p>
             <a:pPr marL="457200" indent="-457200">
@@ -4490,7 +4388,7 @@
               <a:buChar char="•"/>
             </a:pPr>
             <a:r>
-              <a:rPr lang="en-US" sz="2800" b="1" dirty="0" smtClean="0"/>
+              <a:rPr lang="en-US" sz="2800" b="1" dirty="0"/>
               <a:t>Scotty Moore</a:t>
             </a:r>
           </a:p>
@@ -4500,10 +4398,9 @@
               <a:buChar char="•"/>
             </a:pPr>
             <a:r>
-              <a:rPr lang="en-US" sz="2800" b="1" dirty="0" smtClean="0"/>
+              <a:rPr lang="en-US" sz="2800" b="1" dirty="0"/>
               <a:t>Bill Black</a:t>
             </a:r>
-            <a:endParaRPr lang="en-US" sz="2800" b="1" dirty="0"/>
           </a:p>
         </p:txBody>
       </p:sp>
@@ -4517,13 +4414,6 @@
   <p:clrMapOvr>
     <a:masterClrMapping/>
   </p:clrMapOvr>
-  <p:timing>
-    <p:tnLst>
-      <p:par>
-        <p:cTn id="1" dur="indefinite" restart="never" nodeType="tmRoot"/>
-      </p:par>
-    </p:tnLst>
-  </p:timing>
 </p:sld>
 </file>
 
@@ -4583,13 +4473,6 @@
   <p:clrMapOvr>
     <a:masterClrMapping/>
   </p:clrMapOvr>
-  <p:timing>
-    <p:tnLst>
-      <p:par>
-        <p:cTn id="1" dur="indefinite" restart="never" nodeType="tmRoot"/>
-      </p:par>
-    </p:tnLst>
-  </p:timing>
 </p:sld>
 </file>
 
@@ -4634,10 +4517,9 @@
           <a:p>
             <a:pPr algn="ctr"/>
             <a:r>
-              <a:rPr lang="en-US" b="1" dirty="0" smtClean="0"/>
+              <a:rPr lang="en-US" b="1" dirty="0"/>
               <a:t>Elvis’s high school graduating class, 1953</a:t>
             </a:r>
-            <a:endParaRPr lang="en-US" b="1" dirty="0"/>
           </a:p>
         </p:txBody>
       </p:sp>
@@ -4680,13 +4562,6 @@
   <p:clrMapOvr>
     <a:masterClrMapping/>
   </p:clrMapOvr>
-  <p:timing>
-    <p:tnLst>
-      <p:par>
-        <p:cTn id="1" dur="indefinite" restart="never" nodeType="tmRoot"/>
-      </p:par>
-    </p:tnLst>
-  </p:timing>
 </p:sld>
 </file>
 
@@ -4731,10 +4606,9 @@
           <a:p>
             <a:pPr algn="ctr"/>
             <a:r>
-              <a:rPr lang="en-US" dirty="0" smtClean="0"/>
+              <a:rPr lang="en-US" dirty="0"/>
               <a:t>Close up of Elvis’s grad class</a:t>
             </a:r>
-            <a:endParaRPr lang="en-US" dirty="0"/>
           </a:p>
         </p:txBody>
       </p:sp>
@@ -4786,13 +4660,6 @@
   <p:clrMapOvr>
     <a:masterClrMapping/>
   </p:clrMapOvr>
-  <p:timing>
-    <p:tnLst>
-      <p:par>
-        <p:cTn id="1" dur="indefinite" restart="never" nodeType="tmRoot"/>
-      </p:par>
-    </p:tnLst>
-  </p:timing>
 </p:sld>
 </file>
 
@@ -4829,73 +4696,66 @@
           <a:lstStyle/>
           <a:p>
             <a:r>
-              <a:rPr lang="en-US" dirty="0" smtClean="0"/>
+              <a:rPr lang="en-US" dirty="0"/>
               <a:t>Milton </a:t>
             </a:r>
             <a:r>
-              <a:rPr lang="en-US" dirty="0" err="1" smtClean="0"/>
+              <a:rPr lang="en-US" dirty="0" err="1"/>
               <a:t>Berle</a:t>
             </a:r>
             <a:r>
-              <a:rPr lang="en-US" dirty="0" smtClean="0"/>
+              <a:rPr lang="en-US" dirty="0"/>
               <a:t> show, 1956:</a:t>
             </a:r>
           </a:p>
           <a:p>
-            <a:r>
-              <a:rPr lang="en-US" dirty="0" smtClean="0">
-                <a:hlinkClick r:id="rId2"/>
-              </a:rPr>
-              <a:t>https</a:t>
-            </a:r>
             <a:r>
               <a:rPr lang="en-US" dirty="0">
                 <a:hlinkClick r:id="rId2"/>
               </a:rPr>
-              <a:t>://</a:t>
-            </a:r>
-            <a:r>
-              <a:rPr lang="en-US" dirty="0" smtClean="0">
-                <a:hlinkClick r:id="rId2"/>
+              <a:t>https://www.youtube.com/watch?v=MMmljYkdr-w</a:t>
+            </a:r>
+            <a:endParaRPr lang="en-US" dirty="0"/>
+          </a:p>
+          <a:p>
+            <a:r>
+              <a:rPr lang="en-US" dirty="0"/>
+              <a:t>Steve Allen Show, 1956:</a:t>
+            </a:r>
+          </a:p>
+          <a:p>
+            <a:r>
+              <a:rPr lang="en-US" dirty="0">
+                <a:hlinkClick r:id="rId3"/>
               </a:rPr>
-              <a:t>www.youtube.com/watch?v=MMmljYkdr-w</a:t>
-            </a:r>
-            <a:endParaRPr lang="en-US" dirty="0" smtClean="0"/>
-          </a:p>
-          <a:p>
-            <a:r>
-              <a:rPr lang="en-US" dirty="0" smtClean="0"/>
-              <a:t>Steve Allen Show, 1956:</a:t>
-            </a:r>
-          </a:p>
+              <a:t>https://www.youtube.com/watch?v=oMN-1nSQv3U</a:t>
+            </a:r>
+            <a:endParaRPr lang="en-US" dirty="0"/>
+          </a:p>
+          <a:p>
+            <a:endParaRPr lang="en-US" dirty="0"/>
+          </a:p>
+        </p:txBody>
+      </p:sp>
+      <p:sp>
+        <p:nvSpPr>
+          <p:cNvPr id="3" name="Title 2"/>
+          <p:cNvSpPr>
+            <a:spLocks noGrp="1"/>
+          </p:cNvSpPr>
+          <p:nvPr>
+            <p:ph type="title"/>
+          </p:nvPr>
+        </p:nvSpPr>
+        <p:spPr/>
+        <p:txBody>
+          <a:bodyPr/>
+          <a:lstStyle/>
           <a:p>
             <a:r>
               <a:rPr lang="en-US" dirty="0"/>
-              <a:t>https://www.youtube.com/watch?v=oMN-1nSQv3U</a:t>
-            </a:r>
-          </a:p>
-        </p:txBody>
-      </p:sp>
-      <p:sp>
-        <p:nvSpPr>
-          <p:cNvPr id="3" name="Title 2"/>
-          <p:cNvSpPr>
-            <a:spLocks noGrp="1"/>
-          </p:cNvSpPr>
-          <p:nvPr>
-            <p:ph type="title"/>
-          </p:nvPr>
-        </p:nvSpPr>
-        <p:spPr/>
-        <p:txBody>
-          <a:bodyPr/>
-          <a:lstStyle/>
-          <a:p>
-            <a:r>
-              <a:rPr lang="en-US" dirty="0" smtClean="0"/>
               <a:t>Hound Dog, 1956</a:t>
             </a:r>
-            <a:endParaRPr lang="en-US" dirty="0"/>
           </a:p>
         </p:txBody>
       </p:sp>
@@ -4909,13 +4769,6 @@
   <p:clrMapOvr>
     <a:masterClrMapping/>
   </p:clrMapOvr>
-  <p:timing>
-    <p:tnLst>
-      <p:par>
-        <p:cTn id="1" dur="indefinite" restart="never" nodeType="tmRoot"/>
-      </p:par>
-    </p:tnLst>
-  </p:timing>
 </p:sld>
 </file>
 
@@ -4961,101 +4814,43 @@
               <a:t>"The colored folks been singing it and playing it just like I'm </a:t>
             </a:r>
             <a:r>
-              <a:rPr lang="en-US" dirty="0" err="1" smtClean="0"/>
+              <a:rPr lang="en-US" dirty="0" err="1"/>
               <a:t>doin</a:t>
             </a:r>
             <a:r>
-              <a:rPr lang="en-US" dirty="0" smtClean="0"/>
-              <a:t>‘ now</a:t>
-            </a:r>
-            <a:r>
               <a:rPr lang="en-US" dirty="0"/>
-              <a:t>, man, for more years than I know. They played it like that in </a:t>
-            </a:r>
-            <a:r>
-              <a:rPr lang="en-US" dirty="0" smtClean="0"/>
-              <a:t>the shanties </a:t>
+              <a:t>‘ now, man, for more years than I know. They played it like that in the shanties and in their juke joints, and nobody paid it no mind 'til I goosed it up. I got it from them. Down in Tupelo, Mississippi, I used to hear old Arthur Crudup bang his box the way I do now, and I said if I ever got to the place where I could </a:t>
+            </a:r>
+            <a:r>
+              <a:rPr lang="en-US"/>
+              <a:t>feel like old </a:t>
             </a:r>
             <a:r>
               <a:rPr lang="en-US" dirty="0"/>
-              <a:t>and in their juke joints, and nobody paid it no mind 'til </a:t>
-            </a:r>
-            <a:r>
-              <a:rPr lang="en-US" dirty="0" smtClean="0"/>
-              <a:t>I goosed </a:t>
-            </a:r>
+              <a:t>Arthur felt, I'd be a music man like nobody ever saw."</a:t>
+            </a:r>
+          </a:p>
+        </p:txBody>
+      </p:sp>
+      <p:sp>
+        <p:nvSpPr>
+          <p:cNvPr id="3" name="Title 2"/>
+          <p:cNvSpPr>
+            <a:spLocks noGrp="1"/>
+          </p:cNvSpPr>
+          <p:nvPr>
+            <p:ph type="title"/>
+          </p:nvPr>
+        </p:nvSpPr>
+        <p:spPr/>
+        <p:txBody>
+          <a:bodyPr/>
+          <a:lstStyle/>
+          <a:p>
             <a:r>
               <a:rPr lang="en-US" dirty="0"/>
-              <a:t>it up. I got it from them. Down in Tupelo, Mississippi, I </a:t>
-            </a:r>
-            <a:r>
-              <a:rPr lang="en-US" dirty="0" smtClean="0"/>
-              <a:t>used to </a:t>
-            </a:r>
-            <a:r>
-              <a:rPr lang="en-US" dirty="0"/>
-              <a:t>hear old Arthur Crudup bang his box the way I do now, and I </a:t>
-            </a:r>
-            <a:r>
-              <a:rPr lang="en-US" dirty="0" smtClean="0"/>
-              <a:t>said if </a:t>
-            </a:r>
-            <a:r>
-              <a:rPr lang="en-US" dirty="0"/>
-              <a:t>I ever got to the place where I could </a:t>
-            </a:r>
-            <a:r>
-              <a:rPr lang="en-US"/>
-              <a:t>feel </a:t>
-            </a:r>
-            <a:r>
-              <a:rPr lang="en-US" smtClean="0"/>
-              <a:t>like old </a:t>
-            </a:r>
-            <a:r>
-              <a:rPr lang="en-US" dirty="0" smtClean="0"/>
-              <a:t>Arthur </a:t>
-            </a:r>
-            <a:r>
-              <a:rPr lang="en-US" dirty="0"/>
-              <a:t>felt, I'd be </a:t>
-            </a:r>
-            <a:r>
-              <a:rPr lang="en-US" dirty="0" smtClean="0"/>
-              <a:t>a music </a:t>
-            </a:r>
-            <a:r>
-              <a:rPr lang="en-US" dirty="0"/>
-              <a:t>man like nobody ever saw</a:t>
-            </a:r>
-            <a:r>
-              <a:rPr lang="en-US" dirty="0" smtClean="0"/>
-              <a:t>."</a:t>
-            </a:r>
-            <a:endParaRPr lang="en-US" dirty="0"/>
-          </a:p>
-        </p:txBody>
-      </p:sp>
-      <p:sp>
-        <p:nvSpPr>
-          <p:cNvPr id="3" name="Title 2"/>
-          <p:cNvSpPr>
-            <a:spLocks noGrp="1"/>
-          </p:cNvSpPr>
-          <p:nvPr>
-            <p:ph type="title"/>
-          </p:nvPr>
-        </p:nvSpPr>
-        <p:spPr/>
-        <p:txBody>
-          <a:bodyPr/>
-          <a:lstStyle/>
-          <a:p>
-            <a:r>
-              <a:rPr lang="en-US" dirty="0" smtClean="0"/>
               <a:t>Elvis on Crudup (June 1956)</a:t>
             </a:r>
-            <a:endParaRPr lang="en-US" dirty="0"/>
           </a:p>
         </p:txBody>
       </p:sp>
@@ -5069,13 +4864,6 @@
   <p:clrMapOvr>
     <a:masterClrMapping/>
   </p:clrMapOvr>
-  <p:timing>
-    <p:tnLst>
-      <p:par>
-        <p:cTn id="1" dur="indefinite" restart="never" nodeType="tmRoot"/>
-      </p:par>
-    </p:tnLst>
-  </p:timing>
 </p:sld>
 </file>
 
@@ -5114,91 +4902,82 @@
           <a:lstStyle/>
           <a:p>
             <a:r>
-              <a:rPr lang="en-US" dirty="0" smtClean="0"/>
+              <a:rPr lang="en-US" dirty="0"/>
               <a:t>First recording for RCA records [</a:t>
             </a:r>
             <a:r>
-              <a:rPr lang="en-US" dirty="0" smtClean="0">
+              <a:rPr lang="en-US" dirty="0">
                 <a:hlinkClick r:id="rId2"/>
               </a:rPr>
               <a:t>link</a:t>
             </a:r>
             <a:r>
-              <a:rPr lang="en-US" dirty="0" smtClean="0"/>
+              <a:rPr lang="en-US" dirty="0"/>
               <a:t>]</a:t>
             </a:r>
           </a:p>
           <a:p>
             <a:r>
-              <a:rPr lang="en-US" dirty="0" smtClean="0"/>
+              <a:rPr lang="en-US" dirty="0"/>
               <a:t>Written by Tommy Durden and Mae Boren Axton.</a:t>
             </a:r>
           </a:p>
           <a:p>
             <a:pPr lvl="1"/>
             <a:r>
-              <a:rPr lang="en-US" dirty="0" smtClean="0"/>
+              <a:rPr lang="en-US" dirty="0"/>
               <a:t>Blue Moon Boys: S. Moore and B. Black</a:t>
             </a:r>
           </a:p>
           <a:p>
             <a:pPr lvl="1"/>
             <a:r>
-              <a:rPr lang="en-US" dirty="0" smtClean="0"/>
-              <a:t>Chet Atkins: </a:t>
-            </a:r>
-            <a:r>
               <a:rPr lang="en-US" dirty="0"/>
-              <a:t>g</a:t>
-            </a:r>
-            <a:r>
-              <a:rPr lang="en-US" dirty="0" smtClean="0"/>
-              <a:t>uitar</a:t>
+              <a:t>Chet Atkins: guitar</a:t>
             </a:r>
           </a:p>
           <a:p>
             <a:pPr lvl="1"/>
             <a:r>
-              <a:rPr lang="en-US" dirty="0" smtClean="0"/>
+              <a:rPr lang="en-US" dirty="0"/>
               <a:t>Floyd Cramer: piano</a:t>
             </a:r>
           </a:p>
           <a:p>
             <a:r>
-              <a:rPr lang="en-US" dirty="0" smtClean="0"/>
+              <a:rPr lang="en-US" dirty="0"/>
               <a:t>Most producers hated the recording.</a:t>
             </a:r>
           </a:p>
           <a:p>
             <a:r>
-              <a:rPr lang="en-US" dirty="0" smtClean="0"/>
+              <a:rPr lang="en-US" dirty="0"/>
               <a:t>Seven weeks number 1 on Billboard’s Top 100</a:t>
             </a:r>
           </a:p>
           <a:p>
             <a:r>
-              <a:rPr lang="en-US" dirty="0" smtClean="0"/>
+              <a:rPr lang="en-US" dirty="0"/>
               <a:t>Six weeks number 1 on Cashbox’s pop singles</a:t>
             </a:r>
           </a:p>
           <a:p>
             <a:r>
-              <a:rPr lang="en-US" dirty="0" smtClean="0"/>
+              <a:rPr lang="en-US" dirty="0"/>
               <a:t>Seventeen weeks top of C and W chart</a:t>
             </a:r>
           </a:p>
           <a:p>
             <a:r>
-              <a:rPr lang="en-US" dirty="0" smtClean="0"/>
+              <a:rPr lang="en-US" dirty="0"/>
               <a:t>Reached number 3 on R&amp;B chart.</a:t>
             </a:r>
           </a:p>
           <a:p>
             <a:r>
-              <a:rPr lang="en-US" dirty="0" smtClean="0"/>
+              <a:rPr lang="en-US" dirty="0"/>
               <a:t>First million dollar record for Elvis</a:t>
             </a:r>
-            <a:endParaRPr lang="en-US" dirty="0"/>
           </a:p>
         </p:txBody>
       </p:sp>
@@ -5218,10 +4997,9 @@
           <a:lstStyle/>
           <a:p>
             <a:r>
-              <a:rPr lang="en-US" dirty="0" smtClean="0"/>
+              <a:rPr lang="en-US" dirty="0"/>
               <a:t>“Heartbreak Hotel”, January 1956</a:t>
             </a:r>
-            <a:endParaRPr lang="en-US" dirty="0"/>
           </a:p>
         </p:txBody>
       </p:sp>
@@ -5235,13 +5013,6 @@
   <p:clrMapOvr>
     <a:masterClrMapping/>
   </p:clrMapOvr>
-  <p:timing>
-    <p:tnLst>
-      <p:par>
-        <p:cTn id="1" dur="indefinite" restart="never" nodeType="tmRoot"/>
-      </p:par>
-    </p:tnLst>
-  </p:timing>
 </p:sld>
 </file>
 

--- a/HSTR121/ppts/RockandElvis.pptx
+++ b/HSTR121/ppts/RockandElvis.pptx
@@ -432,7 +432,7 @@
             <a:fld id="{DCFA480D-CB17-4C49-BB2A-C7514E1C7CEA}" type="datetimeFigureOut">
               <a:rPr lang="en-US" smtClean="0"/>
               <a:pPr/>
-              <a:t>1/23/2018</a:t>
+              <a:t>1/24/2018</a:t>
             </a:fld>
             <a:endParaRPr lang="en-US"/>
           </a:p>
@@ -598,7 +598,7 @@
             <a:fld id="{DCFA480D-CB17-4C49-BB2A-C7514E1C7CEA}" type="datetimeFigureOut">
               <a:rPr lang="en-US" smtClean="0"/>
               <a:pPr/>
-              <a:t>1/23/2018</a:t>
+              <a:t>1/24/2018</a:t>
             </a:fld>
             <a:endParaRPr lang="en-US"/>
           </a:p>
@@ -773,7 +773,7 @@
             <a:fld id="{DCFA480D-CB17-4C49-BB2A-C7514E1C7CEA}" type="datetimeFigureOut">
               <a:rPr lang="en-US" smtClean="0"/>
               <a:pPr/>
-              <a:t>1/23/2018</a:t>
+              <a:t>1/24/2018</a:t>
             </a:fld>
             <a:endParaRPr lang="en-US"/>
           </a:p>
@@ -922,7 +922,7 @@
             <a:fld id="{DCFA480D-CB17-4C49-BB2A-C7514E1C7CEA}" type="datetimeFigureOut">
               <a:rPr lang="en-US" smtClean="0"/>
               <a:pPr/>
-              <a:t>1/23/2018</a:t>
+              <a:t>1/24/2018</a:t>
             </a:fld>
             <a:endParaRPr lang="en-US"/>
           </a:p>
@@ -1046,7 +1046,7 @@
             <a:fld id="{DCFA480D-CB17-4C49-BB2A-C7514E1C7CEA}" type="datetimeFigureOut">
               <a:rPr lang="en-US" smtClean="0"/>
               <a:pPr/>
-              <a:t>1/23/2018</a:t>
+              <a:t>1/24/2018</a:t>
             </a:fld>
             <a:endParaRPr lang="en-US" dirty="0"/>
           </a:p>
@@ -1318,7 +1318,7 @@
             <a:fld id="{DCFA480D-CB17-4C49-BB2A-C7514E1C7CEA}" type="datetimeFigureOut">
               <a:rPr lang="en-US" smtClean="0"/>
               <a:pPr/>
-              <a:t>1/23/2018</a:t>
+              <a:t>1/24/2018</a:t>
             </a:fld>
             <a:endParaRPr lang="en-US" dirty="0"/>
           </a:p>
@@ -1590,7 +1590,7 @@
             <a:fld id="{DCFA480D-CB17-4C49-BB2A-C7514E1C7CEA}" type="datetimeFigureOut">
               <a:rPr lang="en-US" smtClean="0"/>
               <a:pPr/>
-              <a:t>1/23/2018</a:t>
+              <a:t>1/24/2018</a:t>
             </a:fld>
             <a:endParaRPr lang="en-US" dirty="0"/>
           </a:p>
@@ -2038,7 +2038,7 @@
             <a:fld id="{DCFA480D-CB17-4C49-BB2A-C7514E1C7CEA}" type="datetimeFigureOut">
               <a:rPr lang="en-US" smtClean="0"/>
               <a:pPr/>
-              <a:t>1/23/2018</a:t>
+              <a:t>1/24/2018</a:t>
             </a:fld>
             <a:endParaRPr lang="en-US" dirty="0"/>
           </a:p>
@@ -2153,7 +2153,7 @@
             <a:fld id="{DCFA480D-CB17-4C49-BB2A-C7514E1C7CEA}" type="datetimeFigureOut">
               <a:rPr lang="en-US" smtClean="0"/>
               <a:pPr/>
-              <a:t>1/23/2018</a:t>
+              <a:t>1/24/2018</a:t>
             </a:fld>
             <a:endParaRPr lang="en-US" dirty="0"/>
           </a:p>
@@ -2405,7 +2405,7 @@
             <a:fld id="{DCFA480D-CB17-4C49-BB2A-C7514E1C7CEA}" type="datetimeFigureOut">
               <a:rPr lang="en-US" smtClean="0"/>
               <a:pPr/>
-              <a:t>1/23/2018</a:t>
+              <a:t>1/24/2018</a:t>
             </a:fld>
             <a:endParaRPr lang="en-US"/>
           </a:p>
@@ -2648,7 +2648,7 @@
             <a:fld id="{DCFA480D-CB17-4C49-BB2A-C7514E1C7CEA}" type="datetimeFigureOut">
               <a:rPr lang="en-US" smtClean="0"/>
               <a:pPr/>
-              <a:t>1/23/2018</a:t>
+              <a:t>1/24/2018</a:t>
             </a:fld>
             <a:endParaRPr lang="en-US"/>
           </a:p>
@@ -2824,7 +2824,7 @@
             <a:fld id="{DCFA480D-CB17-4C49-BB2A-C7514E1C7CEA}" type="datetimeFigureOut">
               <a:rPr lang="en-US" smtClean="0"/>
               <a:pPr/>
-              <a:t>1/23/2018</a:t>
+              <a:t>1/24/2018</a:t>
             </a:fld>
             <a:endParaRPr lang="en-US" sz="1200" dirty="0">
               <a:solidFill>
@@ -4336,7 +4336,7 @@
         <p:spPr>
           <a:xfrm>
             <a:off x="457200" y="2189408"/>
-            <a:ext cx="4024648" cy="1815882"/>
+            <a:ext cx="4024648" cy="3108543"/>
           </a:xfrm>
           <a:prstGeom prst="rect">
             <a:avLst/>
@@ -4400,6 +4400,16 @@
             <a:r>
               <a:rPr lang="en-US" sz="2800" b="1" dirty="0"/>
               <a:t>Bill Black</a:t>
+            </a:r>
+          </a:p>
+          <a:p>
+            <a:pPr marL="457200" indent="-457200">
+              <a:buFont typeface="Arial" panose="020B0604020202020204" pitchFamily="34" charset="0"/>
+              <a:buChar char="•"/>
+            </a:pPr>
+            <a:r>
+              <a:rPr lang="en-US" sz="2800" b="1" dirty="0"/>
+              <a:t>“Blue Moon of Kentucky,” country roots</a:t>
             </a:r>
           </a:p>
         </p:txBody>
@@ -4705,10 +4715,11 @@
             </a:r>
             <a:r>
               <a:rPr lang="en-US" dirty="0"/>
-              <a:t> show, 1956:</a:t>
-            </a:r>
-          </a:p>
-          <a:p>
+              <a:t> show, 5 June 1956:</a:t>
+            </a:r>
+          </a:p>
+          <a:p>
+            <a:pPr lvl="1"/>
             <a:r>
               <a:rPr lang="en-US" dirty="0">
                 <a:hlinkClick r:id="rId2"/>
@@ -4718,12 +4729,33 @@
             <a:endParaRPr lang="en-US" dirty="0"/>
           </a:p>
           <a:p>
+            <a:pPr lvl="1"/>
+            <a:r>
+              <a:rPr lang="en-US" dirty="0"/>
+              <a:t>Critics were horrified: Jack Gould of the </a:t>
+            </a:r>
+            <a:r>
+              <a:rPr lang="en-US" i="1" dirty="0"/>
+              <a:t>New York Times</a:t>
+            </a:r>
+            <a:r>
+              <a:rPr lang="en-US" dirty="0"/>
+              <a:t>: “Mr. Presley has no discernible singing ability. ... His phrasing, if it can be called that, consists of the stereotyped variations that go with a beginner's aria in a bathtub. ... His one specialty is an accented movement of the body ... primarily identified with the repertoire of the blond bombshells of the </a:t>
+            </a:r>
+            <a:r>
+              <a:rPr lang="en-US"/>
+              <a:t>burlesque runway.”</a:t>
+            </a:r>
+            <a:endParaRPr lang="en-US" dirty="0"/>
+          </a:p>
+          <a:p>
             <a:r>
               <a:rPr lang="en-US" dirty="0"/>
               <a:t>Steve Allen Show, 1956:</a:t>
             </a:r>
           </a:p>
           <a:p>
+            <a:pPr lvl="1"/>
             <a:r>
               <a:rPr lang="en-US" dirty="0">
                 <a:hlinkClick r:id="rId3"/>

--- a/HSTR121/ppts/RockandElvis.pptx
+++ b/HSTR121/ppts/RockandElvis.pptx
@@ -138,7 +138,11 @@
 </file>
 
 <file path=ppt/revisionInfo.xml><?xml version="1.0" encoding="utf-8"?>
-<p1510:revInfo xmlns:a="http://schemas.openxmlformats.org/drawingml/2006/main" xmlns:r="http://schemas.openxmlformats.org/officeDocument/2006/relationships" xmlns:p1510="http://schemas.microsoft.com/office/powerpoint/2015/10/main"/>
+<p1510:revInfo xmlns:a="http://schemas.openxmlformats.org/drawingml/2006/main" xmlns:r="http://schemas.openxmlformats.org/officeDocument/2006/relationships" xmlns:p1510="http://schemas.microsoft.com/office/powerpoint/2015/10/main">
+  <p1510:revLst>
+    <p1510:client id="{BA3C31BF-15CA-4CC2-B12E-31F0F18C297B}" v="3" dt="2019-09-18T22:09:32.984"/>
+  </p1510:revLst>
+</p1510:revInfo>
 </file>
 
 <file path=ppt/slideLayouts/slideLayout1.xml><?xml version="1.0" encoding="utf-8"?>
@@ -432,7 +436,7 @@
             <a:fld id="{DCFA480D-CB17-4C49-BB2A-C7514E1C7CEA}" type="datetimeFigureOut">
               <a:rPr lang="en-US" smtClean="0"/>
               <a:pPr/>
-              <a:t>1/24/2018</a:t>
+              <a:t>9/17/2019</a:t>
             </a:fld>
             <a:endParaRPr lang="en-US"/>
           </a:p>
@@ -598,7 +602,7 @@
             <a:fld id="{DCFA480D-CB17-4C49-BB2A-C7514E1C7CEA}" type="datetimeFigureOut">
               <a:rPr lang="en-US" smtClean="0"/>
               <a:pPr/>
-              <a:t>1/24/2018</a:t>
+              <a:t>9/17/2019</a:t>
             </a:fld>
             <a:endParaRPr lang="en-US"/>
           </a:p>
@@ -773,7 +777,7 @@
             <a:fld id="{DCFA480D-CB17-4C49-BB2A-C7514E1C7CEA}" type="datetimeFigureOut">
               <a:rPr lang="en-US" smtClean="0"/>
               <a:pPr/>
-              <a:t>1/24/2018</a:t>
+              <a:t>9/17/2019</a:t>
             </a:fld>
             <a:endParaRPr lang="en-US"/>
           </a:p>
@@ -922,7 +926,7 @@
             <a:fld id="{DCFA480D-CB17-4C49-BB2A-C7514E1C7CEA}" type="datetimeFigureOut">
               <a:rPr lang="en-US" smtClean="0"/>
               <a:pPr/>
-              <a:t>1/24/2018</a:t>
+              <a:t>9/17/2019</a:t>
             </a:fld>
             <a:endParaRPr lang="en-US"/>
           </a:p>
@@ -1046,7 +1050,7 @@
             <a:fld id="{DCFA480D-CB17-4C49-BB2A-C7514E1C7CEA}" type="datetimeFigureOut">
               <a:rPr lang="en-US" smtClean="0"/>
               <a:pPr/>
-              <a:t>1/24/2018</a:t>
+              <a:t>9/17/2019</a:t>
             </a:fld>
             <a:endParaRPr lang="en-US" dirty="0"/>
           </a:p>
@@ -1318,7 +1322,7 @@
             <a:fld id="{DCFA480D-CB17-4C49-BB2A-C7514E1C7CEA}" type="datetimeFigureOut">
               <a:rPr lang="en-US" smtClean="0"/>
               <a:pPr/>
-              <a:t>1/24/2018</a:t>
+              <a:t>9/17/2019</a:t>
             </a:fld>
             <a:endParaRPr lang="en-US" dirty="0"/>
           </a:p>
@@ -1590,7 +1594,7 @@
             <a:fld id="{DCFA480D-CB17-4C49-BB2A-C7514E1C7CEA}" type="datetimeFigureOut">
               <a:rPr lang="en-US" smtClean="0"/>
               <a:pPr/>
-              <a:t>1/24/2018</a:t>
+              <a:t>9/17/2019</a:t>
             </a:fld>
             <a:endParaRPr lang="en-US" dirty="0"/>
           </a:p>
@@ -2038,7 +2042,7 @@
             <a:fld id="{DCFA480D-CB17-4C49-BB2A-C7514E1C7CEA}" type="datetimeFigureOut">
               <a:rPr lang="en-US" smtClean="0"/>
               <a:pPr/>
-              <a:t>1/24/2018</a:t>
+              <a:t>9/17/2019</a:t>
             </a:fld>
             <a:endParaRPr lang="en-US" dirty="0"/>
           </a:p>
@@ -2153,7 +2157,7 @@
             <a:fld id="{DCFA480D-CB17-4C49-BB2A-C7514E1C7CEA}" type="datetimeFigureOut">
               <a:rPr lang="en-US" smtClean="0"/>
               <a:pPr/>
-              <a:t>1/24/2018</a:t>
+              <a:t>9/17/2019</a:t>
             </a:fld>
             <a:endParaRPr lang="en-US" dirty="0"/>
           </a:p>
@@ -2405,7 +2409,7 @@
             <a:fld id="{DCFA480D-CB17-4C49-BB2A-C7514E1C7CEA}" type="datetimeFigureOut">
               <a:rPr lang="en-US" smtClean="0"/>
               <a:pPr/>
-              <a:t>1/24/2018</a:t>
+              <a:t>9/17/2019</a:t>
             </a:fld>
             <a:endParaRPr lang="en-US"/>
           </a:p>
@@ -2648,7 +2652,7 @@
             <a:fld id="{DCFA480D-CB17-4C49-BB2A-C7514E1C7CEA}" type="datetimeFigureOut">
               <a:rPr lang="en-US" smtClean="0"/>
               <a:pPr/>
-              <a:t>1/24/2018</a:t>
+              <a:t>9/17/2019</a:t>
             </a:fld>
             <a:endParaRPr lang="en-US"/>
           </a:p>
@@ -2824,7 +2828,7 @@
             <a:fld id="{DCFA480D-CB17-4C49-BB2A-C7514E1C7CEA}" type="datetimeFigureOut">
               <a:rPr lang="en-US" smtClean="0"/>
               <a:pPr/>
-              <a:t>1/24/2018</a:t>
+              <a:t>9/17/2019</a:t>
             </a:fld>
             <a:endParaRPr lang="en-US" sz="1200" dirty="0">
               <a:solidFill>
@@ -3428,6 +3432,12 @@
             </a:r>
           </a:p>
           <a:p>
+            <a:r>
+              <a:rPr lang="en-CA" dirty="0"/>
+              <a:t>1958: Notting Hill race riots</a:t>
+            </a:r>
+          </a:p>
+          <a:p>
             <a:endParaRPr lang="en-US" dirty="0"/>
           </a:p>
           <a:p>
@@ -3901,8 +3911,21 @@
             </a:r>
             <a:r>
               <a:rPr lang="en-US" dirty="0"/>
-              <a:t>)</a:t>
-            </a:r>
+              <a:t>) </a:t>
+            </a:r>
+            <a:r>
+              <a:rPr lang="en-US" dirty="0">
+                <a:hlinkClick r:id="rId2">
+                  <a:extLst>
+                    <a:ext uri="{A12FA001-AC4F-418D-AE19-62706E023703}">
+                      <ahyp:hlinkClr xmlns:ahyp="http://schemas.microsoft.com/office/drawing/2018/hyperlinkcolor" val="tx"/>
+                    </a:ext>
+                  </a:extLst>
+                </a:hlinkClick>
+              </a:rPr>
+              <a:t>https://www.youtube.com/watch?v=9nrInsANB8Q</a:t>
+            </a:r>
+            <a:endParaRPr lang="en-US" dirty="0"/>
           </a:p>
           <a:p>
             <a:r>
@@ -5008,7 +5031,7 @@
           <a:p>
             <a:r>
               <a:rPr lang="en-US" dirty="0"/>
-              <a:t>First million dollar record for Elvis</a:t>
+              <a:t>First million-dollar record for Elvis</a:t>
             </a:r>
           </a:p>
         </p:txBody>
